--- a/ppt/IoT24-ESPTool.pptx
+++ b/ppt/IoT24-ESPTool.pptx
@@ -5,15 +5,17 @@
     <p:sldMasterId id="2147483653" r:id="rId1"/>
   </p:sldMasterIdLst>
   <p:notesMasterIdLst>
-    <p:notesMasterId r:id="rId5"/>
+    <p:notesMasterId r:id="rId7"/>
   </p:notesMasterIdLst>
   <p:handoutMasterIdLst>
-    <p:handoutMasterId r:id="rId6"/>
+    <p:handoutMasterId r:id="rId8"/>
   </p:handoutMasterIdLst>
   <p:sldIdLst>
     <p:sldId id="264" r:id="rId2"/>
     <p:sldId id="265" r:id="rId3"/>
     <p:sldId id="266" r:id="rId4"/>
+    <p:sldId id="268" r:id="rId5"/>
+    <p:sldId id="267" r:id="rId6"/>
   </p:sldIdLst>
   <p:sldSz cx="9144000" cy="6858000" type="screen4x3"/>
   <p:notesSz cx="6648450" cy="9782175"/>
@@ -4047,6 +4049,420 @@
     <p:extLst>
       <p:ext uri="{BB962C8B-B14F-4D97-AF65-F5344CB8AC3E}">
         <p14:creationId xmlns:p14="http://schemas.microsoft.com/office/powerpoint/2010/main" val="2630816627"/>
+      </p:ext>
+    </p:extLst>
+  </p:cSld>
+  <p:clrMapOvr>
+    <a:masterClrMapping/>
+  </p:clrMapOvr>
+</p:sld>
+</file>
+
+<file path=ppt/slides/slide4.xml><?xml version="1.0" encoding="utf-8"?>
+<p:sld xmlns:a="http://schemas.openxmlformats.org/drawingml/2006/main" xmlns:r="http://schemas.openxmlformats.org/officeDocument/2006/relationships" xmlns:p="http://schemas.openxmlformats.org/presentationml/2006/main">
+  <p:cSld>
+    <p:spTree>
+      <p:nvGrpSpPr>
+        <p:cNvPr id="1" name=""/>
+        <p:cNvGrpSpPr/>
+        <p:nvPr/>
+      </p:nvGrpSpPr>
+      <p:grpSpPr>
+        <a:xfrm>
+          <a:off x="0" y="0"/>
+          <a:ext cx="0" cy="0"/>
+          <a:chOff x="0" y="0"/>
+          <a:chExt cx="0" cy="0"/>
+        </a:xfrm>
+      </p:grpSpPr>
+      <p:sp>
+        <p:nvSpPr>
+          <p:cNvPr id="2" name="Titre 1">
+            <a:extLst>
+              <a:ext uri="{FF2B5EF4-FFF2-40B4-BE49-F238E27FC236}">
+                <a16:creationId xmlns:a16="http://schemas.microsoft.com/office/drawing/2014/main" id="{9B3088B5-628B-4C14-9C5C-40F88CDC245F}"/>
+              </a:ext>
+            </a:extLst>
+          </p:cNvPr>
+          <p:cNvSpPr>
+            <a:spLocks noGrp="1"/>
+          </p:cNvSpPr>
+          <p:nvPr>
+            <p:ph type="title"/>
+          </p:nvPr>
+        </p:nvSpPr>
+        <p:spPr/>
+        <p:txBody>
+          <a:bodyPr/>
+          <a:lstStyle/>
+          <a:p>
+            <a:r>
+              <a:rPr lang="fr-FR" dirty="0"/>
+              <a:t>Grove</a:t>
+            </a:r>
+          </a:p>
+        </p:txBody>
+      </p:sp>
+      <p:sp>
+        <p:nvSpPr>
+          <p:cNvPr id="3" name="Espace réservé du contenu 2">
+            <a:extLst>
+              <a:ext uri="{FF2B5EF4-FFF2-40B4-BE49-F238E27FC236}">
+                <a16:creationId xmlns:a16="http://schemas.microsoft.com/office/drawing/2014/main" id="{003FACE7-B852-4D6E-1F6E-2C1D4740FA7C}"/>
+              </a:ext>
+            </a:extLst>
+          </p:cNvPr>
+          <p:cNvSpPr>
+            <a:spLocks noGrp="1"/>
+          </p:cNvSpPr>
+          <p:nvPr>
+            <p:ph idx="1"/>
+          </p:nvPr>
+        </p:nvSpPr>
+        <p:spPr/>
+        <p:txBody>
+          <a:bodyPr/>
+          <a:lstStyle/>
+          <a:p>
+            <a:r>
+              <a:rPr lang="fr-FR" dirty="0"/>
+              <a:t>Grove permet d'avoir un prototype quasi utilisable sans soudure</a:t>
+            </a:r>
+          </a:p>
+          <a:p>
+            <a:pPr lvl="1"/>
+            <a:r>
+              <a:rPr lang="fr-FR" dirty="0"/>
+              <a:t>Courant sur Arduino</a:t>
+            </a:r>
+          </a:p>
+          <a:p>
+            <a:pPr lvl="1"/>
+            <a:r>
+              <a:rPr lang="fr-FR" dirty="0"/>
+              <a:t>Peu courant sur ESP32 mais existe</a:t>
+            </a:r>
+          </a:p>
+        </p:txBody>
+      </p:sp>
+      <p:pic>
+        <p:nvPicPr>
+          <p:cNvPr id="7" name="Image 6">
+            <a:extLst>
+              <a:ext uri="{FF2B5EF4-FFF2-40B4-BE49-F238E27FC236}">
+                <a16:creationId xmlns:a16="http://schemas.microsoft.com/office/drawing/2014/main" id="{E90192A2-9F94-F79B-9188-D82AAE7E33EC}"/>
+              </a:ext>
+            </a:extLst>
+          </p:cNvPr>
+          <p:cNvPicPr>
+            <a:picLocks noChangeAspect="1"/>
+          </p:cNvPicPr>
+          <p:nvPr/>
+        </p:nvPicPr>
+        <p:blipFill>
+          <a:blip r:embed="rId2"/>
+          <a:stretch>
+            <a:fillRect/>
+          </a:stretch>
+        </p:blipFill>
+        <p:spPr>
+          <a:xfrm>
+            <a:off x="4732187" y="3429000"/>
+            <a:ext cx="4420217" cy="3458058"/>
+          </a:xfrm>
+          <a:prstGeom prst="rect">
+            <a:avLst/>
+          </a:prstGeom>
+        </p:spPr>
+      </p:pic>
+      <p:pic>
+        <p:nvPicPr>
+          <p:cNvPr id="9" name="Image 8">
+            <a:extLst>
+              <a:ext uri="{FF2B5EF4-FFF2-40B4-BE49-F238E27FC236}">
+                <a16:creationId xmlns:a16="http://schemas.microsoft.com/office/drawing/2014/main" id="{D4C51F30-AC15-83ED-0229-5ADB990F1E90}"/>
+              </a:ext>
+            </a:extLst>
+          </p:cNvPr>
+          <p:cNvPicPr>
+            <a:picLocks noChangeAspect="1"/>
+          </p:cNvPicPr>
+          <p:nvPr/>
+        </p:nvPicPr>
+        <p:blipFill>
+          <a:blip r:embed="rId3"/>
+          <a:stretch>
+            <a:fillRect/>
+          </a:stretch>
+        </p:blipFill>
+        <p:spPr>
+          <a:xfrm>
+            <a:off x="349157" y="3429000"/>
+            <a:ext cx="4353533" cy="3048425"/>
+          </a:xfrm>
+          <a:prstGeom prst="rect">
+            <a:avLst/>
+          </a:prstGeom>
+        </p:spPr>
+      </p:pic>
+    </p:spTree>
+    <p:extLst>
+      <p:ext uri="{BB962C8B-B14F-4D97-AF65-F5344CB8AC3E}">
+        <p14:creationId xmlns:p14="http://schemas.microsoft.com/office/powerpoint/2010/main" val="2686240451"/>
+      </p:ext>
+    </p:extLst>
+  </p:cSld>
+  <p:clrMapOvr>
+    <a:masterClrMapping/>
+  </p:clrMapOvr>
+</p:sld>
+</file>
+
+<file path=ppt/slides/slide5.xml><?xml version="1.0" encoding="utf-8"?>
+<p:sld xmlns:a="http://schemas.openxmlformats.org/drawingml/2006/main" xmlns:r="http://schemas.openxmlformats.org/officeDocument/2006/relationships" xmlns:p="http://schemas.openxmlformats.org/presentationml/2006/main">
+  <p:cSld>
+    <p:spTree>
+      <p:nvGrpSpPr>
+        <p:cNvPr id="1" name=""/>
+        <p:cNvGrpSpPr/>
+        <p:nvPr/>
+      </p:nvGrpSpPr>
+      <p:grpSpPr>
+        <a:xfrm>
+          <a:off x="0" y="0"/>
+          <a:ext cx="0" cy="0"/>
+          <a:chOff x="0" y="0"/>
+          <a:chExt cx="0" cy="0"/>
+        </a:xfrm>
+      </p:grpSpPr>
+      <p:sp>
+        <p:nvSpPr>
+          <p:cNvPr id="2" name="Titre 1">
+            <a:extLst>
+              <a:ext uri="{FF2B5EF4-FFF2-40B4-BE49-F238E27FC236}">
+                <a16:creationId xmlns:a16="http://schemas.microsoft.com/office/drawing/2014/main" id="{8B46E4AC-2066-A90D-C3CE-1EA997078818}"/>
+              </a:ext>
+            </a:extLst>
+          </p:cNvPr>
+          <p:cNvSpPr>
+            <a:spLocks noGrp="1"/>
+          </p:cNvSpPr>
+          <p:nvPr>
+            <p:ph type="title"/>
+          </p:nvPr>
+        </p:nvSpPr>
+        <p:spPr/>
+        <p:txBody>
+          <a:bodyPr/>
+          <a:lstStyle/>
+          <a:p>
+            <a:r>
+              <a:rPr lang="fr-FR" dirty="0"/>
+              <a:t>Prototypage</a:t>
+            </a:r>
+          </a:p>
+        </p:txBody>
+      </p:sp>
+      <p:sp>
+        <p:nvSpPr>
+          <p:cNvPr id="3" name="Espace réservé du contenu 2">
+            <a:extLst>
+              <a:ext uri="{FF2B5EF4-FFF2-40B4-BE49-F238E27FC236}">
+                <a16:creationId xmlns:a16="http://schemas.microsoft.com/office/drawing/2014/main" id="{ADE917CB-44B8-1AEE-EC6F-DCA6393A5D2E}"/>
+              </a:ext>
+            </a:extLst>
+          </p:cNvPr>
+          <p:cNvSpPr>
+            <a:spLocks noGrp="1"/>
+          </p:cNvSpPr>
+          <p:nvPr>
+            <p:ph idx="1"/>
+          </p:nvPr>
+        </p:nvSpPr>
+        <p:spPr>
+          <a:xfrm>
+            <a:off x="179513" y="1412776"/>
+            <a:ext cx="4626720" cy="5040560"/>
+          </a:xfrm>
+        </p:spPr>
+        <p:txBody>
+          <a:bodyPr/>
+          <a:lstStyle/>
+          <a:p>
+            <a:r>
+              <a:rPr lang="fr-FR" dirty="0"/>
+              <a:t>Nous avons fait cela</a:t>
+            </a:r>
+          </a:p>
+          <a:p>
+            <a:r>
+              <a:rPr lang="fr-FR" dirty="0"/>
+              <a:t>Il faut ensuite prototype le montage avec le </a:t>
+            </a:r>
+            <a:r>
+              <a:rPr lang="fr-FR" dirty="0" err="1"/>
+              <a:t>SoC</a:t>
+            </a:r>
+            <a:r>
+              <a:rPr lang="fr-FR" dirty="0"/>
+              <a:t> est une </a:t>
+            </a:r>
+            <a:r>
+              <a:rPr lang="fr-FR" dirty="0" err="1"/>
+              <a:t>board</a:t>
+            </a:r>
+            <a:r>
+              <a:rPr lang="fr-FR" dirty="0"/>
+              <a:t> de </a:t>
+            </a:r>
+            <a:r>
+              <a:rPr lang="fr-FR" dirty="0" err="1"/>
+              <a:t>protoypage</a:t>
+            </a:r>
+            <a:r>
+              <a:rPr lang="fr-FR" dirty="0"/>
+              <a:t> à souder</a:t>
+            </a:r>
+          </a:p>
+          <a:p>
+            <a:r>
+              <a:rPr lang="fr-FR" dirty="0"/>
+              <a:t>Pour ensuite dessiner un PCB</a:t>
+            </a:r>
+          </a:p>
+          <a:p>
+            <a:endParaRPr lang="fr-FR" dirty="0"/>
+          </a:p>
+        </p:txBody>
+      </p:sp>
+      <p:pic>
+        <p:nvPicPr>
+          <p:cNvPr id="6" name="Image 5">
+            <a:extLst>
+              <a:ext uri="{FF2B5EF4-FFF2-40B4-BE49-F238E27FC236}">
+                <a16:creationId xmlns:a16="http://schemas.microsoft.com/office/drawing/2014/main" id="{4F31475B-29F7-6176-90AC-96D9A35B3677}"/>
+              </a:ext>
+            </a:extLst>
+          </p:cNvPr>
+          <p:cNvPicPr>
+            <a:picLocks noChangeAspect="1"/>
+          </p:cNvPicPr>
+          <p:nvPr/>
+        </p:nvPicPr>
+        <p:blipFill>
+          <a:blip r:embed="rId2"/>
+          <a:stretch>
+            <a:fillRect/>
+          </a:stretch>
+        </p:blipFill>
+        <p:spPr>
+          <a:xfrm>
+            <a:off x="5154487" y="836712"/>
+            <a:ext cx="3989513" cy="2327735"/>
+          </a:xfrm>
+          <a:prstGeom prst="rect">
+            <a:avLst/>
+          </a:prstGeom>
+        </p:spPr>
+      </p:pic>
+      <p:pic>
+        <p:nvPicPr>
+          <p:cNvPr id="1026" name="Picture 2" descr="Ma méthode de montage. | F6GLZ's Blog">
+            <a:extLst>
+              <a:ext uri="{FF2B5EF4-FFF2-40B4-BE49-F238E27FC236}">
+                <a16:creationId xmlns:a16="http://schemas.microsoft.com/office/drawing/2014/main" id="{C921EAB5-85C1-4A29-1D70-CB85BD0EC544}"/>
+              </a:ext>
+            </a:extLst>
+          </p:cNvPr>
+          <p:cNvPicPr>
+            <a:picLocks noChangeAspect="1" noChangeArrowheads="1"/>
+          </p:cNvPicPr>
+          <p:nvPr/>
+        </p:nvPicPr>
+        <p:blipFill>
+          <a:blip r:embed="rId3" cstate="print">
+            <a:extLst>
+              <a:ext uri="{28A0092B-C50C-407E-A947-70E740481C1C}">
+                <a14:useLocalDpi xmlns:a14="http://schemas.microsoft.com/office/drawing/2010/main" val="0"/>
+              </a:ext>
+            </a:extLst>
+          </a:blip>
+          <a:srcRect/>
+          <a:stretch>
+            <a:fillRect/>
+          </a:stretch>
+        </p:blipFill>
+        <p:spPr bwMode="auto">
+          <a:xfrm>
+            <a:off x="5154487" y="3429000"/>
+            <a:ext cx="3635896" cy="2045192"/>
+          </a:xfrm>
+          <a:prstGeom prst="rect">
+            <a:avLst/>
+          </a:prstGeom>
+          <a:noFill/>
+          <a:extLst>
+            <a:ext uri="{909E8E84-426E-40DD-AFC4-6F175D3DCCD1}">
+              <a14:hiddenFill xmlns:a14="http://schemas.microsoft.com/office/drawing/2010/main">
+                <a:solidFill>
+                  <a:srgbClr val="FFFFFF"/>
+                </a:solidFill>
+              </a14:hiddenFill>
+            </a:ext>
+          </a:extLst>
+        </p:spPr>
+      </p:pic>
+      <p:pic>
+        <p:nvPicPr>
+          <p:cNvPr id="1028" name="Picture 4" descr="Good PCB Design | Nuts &amp; Volts Magazine">
+            <a:extLst>
+              <a:ext uri="{FF2B5EF4-FFF2-40B4-BE49-F238E27FC236}">
+                <a16:creationId xmlns:a16="http://schemas.microsoft.com/office/drawing/2014/main" id="{0F281CCC-B22B-CD42-B852-A4741EEFF613}"/>
+              </a:ext>
+            </a:extLst>
+          </p:cNvPr>
+          <p:cNvPicPr>
+            <a:picLocks noChangeAspect="1" noChangeArrowheads="1"/>
+          </p:cNvPicPr>
+          <p:nvPr/>
+        </p:nvPicPr>
+        <p:blipFill>
+          <a:blip r:embed="rId4" cstate="print">
+            <a:extLst>
+              <a:ext uri="{28A0092B-C50C-407E-A947-70E740481C1C}">
+                <a14:useLocalDpi xmlns:a14="http://schemas.microsoft.com/office/drawing/2010/main" val="0"/>
+              </a:ext>
+            </a:extLst>
+          </a:blip>
+          <a:srcRect/>
+          <a:stretch>
+            <a:fillRect/>
+          </a:stretch>
+        </p:blipFill>
+        <p:spPr bwMode="auto">
+          <a:xfrm>
+            <a:off x="1619672" y="4293096"/>
+            <a:ext cx="3275856" cy="1637928"/>
+          </a:xfrm>
+          <a:prstGeom prst="rect">
+            <a:avLst/>
+          </a:prstGeom>
+          <a:noFill/>
+          <a:extLst>
+            <a:ext uri="{909E8E84-426E-40DD-AFC4-6F175D3DCCD1}">
+              <a14:hiddenFill xmlns:a14="http://schemas.microsoft.com/office/drawing/2010/main">
+                <a:solidFill>
+                  <a:srgbClr val="FFFFFF"/>
+                </a:solidFill>
+              </a14:hiddenFill>
+            </a:ext>
+          </a:extLst>
+        </p:spPr>
+      </p:pic>
+    </p:spTree>
+    <p:extLst>
+      <p:ext uri="{BB962C8B-B14F-4D97-AF65-F5344CB8AC3E}">
+        <p14:creationId xmlns:p14="http://schemas.microsoft.com/office/powerpoint/2010/main" val="2249330541"/>
       </p:ext>
     </p:extLst>
   </p:cSld>
